--- a/PptWebAddIn/bin/Debug/Presentation1.pptx
+++ b/PptWebAddIn/bin/Debug/Presentation1.pptx
@@ -2,10 +2,10 @@
 <file path=ppt/presentation.xml><?xml version="1.0" encoding="utf-8"?>
 <p:presentation xmlns:a="http://schemas.openxmlformats.org/drawingml/2006/main" xmlns:r="http://schemas.openxmlformats.org/officeDocument/2006/relationships" xmlns:p="http://schemas.openxmlformats.org/presentationml/2006/main" saveSubsetFonts="1">
   <p:sldMasterIdLst>
-    <p:sldMasterId id="2147483648" r:id="Rddd96e98bc204e91"/>
+    <p:sldMasterId id="2147483648" r:id="R3a308e960d834cc3"/>
   </p:sldMasterIdLst>
   <p:sldIdLst>
-    <p:sldId id="256" r:id="R7e2693eed49143c1"/>
+    <p:sldId id="256" r:id="R3954ee3b6b46427f"/>
   </p:sldIdLst>
   <p:sldSz cx="12192000" cy="6858000"/>
   <p:notesSz cx="6858000" cy="9144000"/>
@@ -2652,17 +2652,17 @@
   </p:cSld>
   <p:clrMap bg1="lt1" tx1="dk1" bg2="lt2" tx2="dk2" accent1="accent1" accent2="accent2" accent3="accent3" accent4="accent4" accent5="accent5" accent6="accent6" hlink="hlink" folHlink="folHlink"/>
   <p:sldLayoutIdLst>
-    <p:sldLayoutId id="2147483649" r:id="R93ffed9742714bdb"/>
-    <p:sldLayoutId id="2147483650" r:id="R3d4be8792fb24ec4"/>
-    <p:sldLayoutId id="2147483651" r:id="R0a91695be6d94236"/>
-    <p:sldLayoutId id="2147483652" r:id="R65fef8a37e164851"/>
-    <p:sldLayoutId id="2147483653" r:id="R2dbf15d194a243d7"/>
-    <p:sldLayoutId id="2147483654" r:id="R5eec1268e6be4e36"/>
-    <p:sldLayoutId id="2147483655" r:id="Rfa1bcc67313344b4"/>
-    <p:sldLayoutId id="2147483656" r:id="Ra30fe9c868024173"/>
-    <p:sldLayoutId id="2147483657" r:id="Rf04553ce9cd140c6"/>
-    <p:sldLayoutId id="2147483658" r:id="R2b090edda40941d8"/>
-    <p:sldLayoutId id="2147483659" r:id="R75920927cba94bc9"/>
+    <p:sldLayoutId id="2147483649" r:id="R537ea41982194126"/>
+    <p:sldLayoutId id="2147483650" r:id="R2539746907f9497d"/>
+    <p:sldLayoutId id="2147483651" r:id="Reb3a4346354d49de"/>
+    <p:sldLayoutId id="2147483652" r:id="Rc312038f1c20421f"/>
+    <p:sldLayoutId id="2147483653" r:id="Rd6120788ac2041df"/>
+    <p:sldLayoutId id="2147483654" r:id="R00cd703887c54863"/>
+    <p:sldLayoutId id="2147483655" r:id="R9aed405cdcdb4f61"/>
+    <p:sldLayoutId id="2147483656" r:id="R3973e7f084d64d85"/>
+    <p:sldLayoutId id="2147483657" r:id="Rf4e4e9ba7b0e42a4"/>
+    <p:sldLayoutId id="2147483658" r:id="R2dea0b78937e4136"/>
+    <p:sldLayoutId id="2147483659" r:id="R4bbbfedf561e47c5"/>
   </p:sldLayoutIdLst>
   <p:txStyles>
     <p:titleStyle>
@@ -3275,11 +3275,11 @@
             </p:nvGraphicFramePr>
             <p:xfrm>
               <a:off x="0" y="0"/>
-              <a:ext cx="5238750" cy="3048000"/>
+              <a:ext cx="7143750" cy="3905250"/>
             </p:xfrm>
             <a:graphic>
               <a:graphicData uri="http://schemas.microsoft.com/office/webextensions/webextension/2010/11">
-                <we:webextensionref xmlns:we="http://schemas.microsoft.com/office/webextensions/webextension/2010/11" xmlns:r="http://schemas.openxmlformats.org/officeDocument/2006/relationships" r:id="R2249c6854c604aae"/>
+                <we:webextensionref xmlns:we="http://schemas.microsoft.com/office/webextensions/webextension/2010/11" xmlns:r="http://schemas.openxmlformats.org/officeDocument/2006/relationships" r:id="R65377fb3a3c84bef"/>
               </a:graphicData>
             </a:graphic>
           </p:graphicFrame>
@@ -3291,7 +3291,7 @@
               <p:cNvPicPr/>
             </p:nvPicPr>
             <p:blipFill>
-              <a:blip xmlns:r="http://schemas.openxmlformats.org/officeDocument/2006/relationships" r:embed="R7b7b4d60867443b3"/>
+              <a:blip xmlns:r="http://schemas.openxmlformats.org/officeDocument/2006/relationships" r:embed="R5c1179534aa74ae9"/>
               <a:stretch>
                 <a:fillRect/>
               </a:stretch>
@@ -3299,7 +3299,7 @@
             <p:spPr>
               <a:xfrm>
                 <a:off x="0" y="0"/>
-                <a:ext cx="5238750" cy="3048000"/>
+                <a:ext cx="7143750" cy="3905250"/>
               </a:xfrm>
               <a:prstGeom prst="rect">
                 <a:avLst/>
@@ -3322,11 +3322,11 @@
 </file>
 
 <file path=ppt/slides/udata/data.xml><?xml version="1.0" encoding="utf-8"?>
-<we:webextension xmlns:r="http://schemas.openxmlformats.org/officeDocument/2006/relationships" xmlns:we="http://schemas.microsoft.com/office/webextensions/webextension/2010/11" id="{a6c2a8a1-1243-4334-b9c4-1955f61127ff}">
-  <we:reference id="8ba8e9eb-a895-4011-ab65-c7880be5468a" version="1.0.0.0" store="developer" storeType="Registry"/>
+<we:webextension xmlns:r="http://schemas.openxmlformats.org/officeDocument/2006/relationships" xmlns:we="http://schemas.microsoft.com/office/webextensions/webextension/2010/11" id="{635e45e9-88ca-4d81-bce4-f737d514adc1}">
+  <we:reference id="8ba8e9eb-a895-4011-ab65-c7880be5468a" version="1.0.0.5" store="developer" storeType="Registry"/>
   <we:alternateReferences/>
   <we:properties/>
   <we:bindings/>
-  <we:snapshot xmlns:r="http://schemas.openxmlformats.org/officeDocument/2006/relationships" r:embed="R7b7b4d60867443b3"/>
+  <we:snapshot xmlns:r="http://schemas.openxmlformats.org/officeDocument/2006/relationships" r:embed="R5c1179534aa74ae9"/>
 </we:webextension>
 </file>